--- a/Project_Presentation.pptx
+++ b/Project_Presentation.pptx
@@ -5,7 +5,7 @@
     <p:sldMasterId id="2147483669" r:id="rId1"/>
   </p:sldMasterIdLst>
   <p:notesMasterIdLst>
-    <p:notesMasterId r:id="rId13"/>
+    <p:notesMasterId r:id="rId14"/>
   </p:notesMasterIdLst>
   <p:sldIdLst>
     <p:sldId id="256" r:id="rId2"/>
@@ -16,26 +16,27 @@
     <p:sldId id="307" r:id="rId7"/>
     <p:sldId id="319" r:id="rId8"/>
     <p:sldId id="317" r:id="rId9"/>
-    <p:sldId id="318" r:id="rId10"/>
-    <p:sldId id="312" r:id="rId11"/>
-    <p:sldId id="320" r:id="rId12"/>
+    <p:sldId id="321" r:id="rId10"/>
+    <p:sldId id="318" r:id="rId11"/>
+    <p:sldId id="312" r:id="rId12"/>
+    <p:sldId id="320" r:id="rId13"/>
   </p:sldIdLst>
   <p:sldSz cx="9144000" cy="5143500" type="screen16x9"/>
   <p:notesSz cx="6858000" cy="9144000"/>
   <p:embeddedFontLst>
     <p:embeddedFont>
       <p:font typeface="Montserrat" panose="00000500000000000000" pitchFamily="2" charset="0"/>
-      <p:regular r:id="rId14"/>
-      <p:bold r:id="rId15"/>
-      <p:italic r:id="rId16"/>
-      <p:boldItalic r:id="rId17"/>
+      <p:regular r:id="rId15"/>
+      <p:bold r:id="rId16"/>
+      <p:italic r:id="rId17"/>
+      <p:boldItalic r:id="rId18"/>
     </p:embeddedFont>
     <p:embeddedFont>
       <p:font typeface="Nunito Sans" pitchFamily="2" charset="0"/>
-      <p:regular r:id="rId18"/>
-      <p:bold r:id="rId19"/>
-      <p:italic r:id="rId20"/>
-      <p:boldItalic r:id="rId21"/>
+      <p:regular r:id="rId19"/>
+      <p:bold r:id="rId20"/>
+      <p:italic r:id="rId21"/>
+      <p:boldItalic r:id="rId22"/>
     </p:embeddedFont>
   </p:embeddedFontLst>
   <p:defaultTextStyle>
@@ -278,7 +279,7 @@
 <file path=ppt/revisionInfo.xml><?xml version="1.0" encoding="utf-8"?>
 <p1510:revInfo xmlns:a="http://schemas.openxmlformats.org/drawingml/2006/main" xmlns:r="http://schemas.openxmlformats.org/officeDocument/2006/relationships" xmlns:p1510="http://schemas.microsoft.com/office/powerpoint/2015/10/main">
   <p1510:revLst>
-    <p1510:client id="{B49D7DAC-955E-4E70-AF33-8DB48DA86FDA}" v="127" dt="2023-10-22T19:34:58.011"/>
+    <p1510:client id="{B49D7DAC-955E-4E70-AF33-8DB48DA86FDA}" v="131" dt="2023-10-23T07:06:01.624"/>
   </p1510:revLst>
 </p1510:revInfo>
 </file>
@@ -288,7 +289,7 @@
   <pc:docChgLst>
     <pc:chgData name="Leonardo Rocca" userId="ee499421-b5ce-4353-9ab2-1d77cd21ee2f" providerId="ADAL" clId="{B49D7DAC-955E-4E70-AF33-8DB48DA86FDA}"/>
     <pc:docChg chg="undo redo custSel addSld delSld modSld sldOrd delMainMaster">
-      <pc:chgData name="Leonardo Rocca" userId="ee499421-b5ce-4353-9ab2-1d77cd21ee2f" providerId="ADAL" clId="{B49D7DAC-955E-4E70-AF33-8DB48DA86FDA}" dt="2023-10-22T19:46:33.052" v="3898" actId="14100"/>
+      <pc:chgData name="Leonardo Rocca" userId="ee499421-b5ce-4353-9ab2-1d77cd21ee2f" providerId="ADAL" clId="{B49D7DAC-955E-4E70-AF33-8DB48DA86FDA}" dt="2023-10-23T07:07:38.458" v="3965" actId="1038"/>
       <pc:docMkLst>
         <pc:docMk/>
       </pc:docMkLst>
@@ -3333,6 +3334,93 @@
             <ac:grpSpMk id="290" creationId="{00000000-0000-0000-0000-000000000000}"/>
           </ac:grpSpMkLst>
         </pc:grpChg>
+      </pc:sldChg>
+      <pc:sldChg chg="addSp delSp modSp add mod">
+        <pc:chgData name="Leonardo Rocca" userId="ee499421-b5ce-4353-9ab2-1d77cd21ee2f" providerId="ADAL" clId="{B49D7DAC-955E-4E70-AF33-8DB48DA86FDA}" dt="2023-10-23T07:07:38.458" v="3965" actId="1038"/>
+        <pc:sldMkLst>
+          <pc:docMk/>
+          <pc:sldMk cId="2226951247" sldId="321"/>
+        </pc:sldMkLst>
+        <pc:spChg chg="mod">
+          <ac:chgData name="Leonardo Rocca" userId="ee499421-b5ce-4353-9ab2-1d77cd21ee2f" providerId="ADAL" clId="{B49D7DAC-955E-4E70-AF33-8DB48DA86FDA}" dt="2023-10-23T07:07:36.173" v="3961" actId="1037"/>
+          <ac:spMkLst>
+            <pc:docMk/>
+            <pc:sldMk cId="2226951247" sldId="321"/>
+            <ac:spMk id="11" creationId="{FDC82926-2FF2-CB32-2960-A2DCFBB42487}"/>
+          </ac:spMkLst>
+        </pc:spChg>
+        <pc:spChg chg="mod">
+          <ac:chgData name="Leonardo Rocca" userId="ee499421-b5ce-4353-9ab2-1d77cd21ee2f" providerId="ADAL" clId="{B49D7DAC-955E-4E70-AF33-8DB48DA86FDA}" dt="2023-10-23T07:07:38.458" v="3965" actId="1038"/>
+          <ac:spMkLst>
+            <pc:docMk/>
+            <pc:sldMk cId="2226951247" sldId="321"/>
+            <ac:spMk id="14" creationId="{80866750-8344-2892-97E1-E9172202394F}"/>
+          </ac:spMkLst>
+        </pc:spChg>
+        <pc:picChg chg="add del mod">
+          <ac:chgData name="Leonardo Rocca" userId="ee499421-b5ce-4353-9ab2-1d77cd21ee2f" providerId="ADAL" clId="{B49D7DAC-955E-4E70-AF33-8DB48DA86FDA}" dt="2023-10-23T07:05:52.645" v="3901" actId="478"/>
+          <ac:picMkLst>
+            <pc:docMk/>
+            <pc:sldMk cId="2226951247" sldId="321"/>
+            <ac:picMk id="2" creationId="{25548C9B-0542-F8F2-4E6D-050AA340E07D}"/>
+          </ac:picMkLst>
+        </pc:picChg>
+        <pc:picChg chg="add del mod">
+          <ac:chgData name="Leonardo Rocca" userId="ee499421-b5ce-4353-9ab2-1d77cd21ee2f" providerId="ADAL" clId="{B49D7DAC-955E-4E70-AF33-8DB48DA86FDA}" dt="2023-10-23T07:05:52.645" v="3901" actId="478"/>
+          <ac:picMkLst>
+            <pc:docMk/>
+            <pc:sldMk cId="2226951247" sldId="321"/>
+            <ac:picMk id="3" creationId="{BDD494C7-F570-1AAE-1F8F-95388221AF9A}"/>
+          </ac:picMkLst>
+        </pc:picChg>
+        <pc:picChg chg="add mod">
+          <ac:chgData name="Leonardo Rocca" userId="ee499421-b5ce-4353-9ab2-1d77cd21ee2f" providerId="ADAL" clId="{B49D7DAC-955E-4E70-AF33-8DB48DA86FDA}" dt="2023-10-23T07:06:26.910" v="3919" actId="1076"/>
+          <ac:picMkLst>
+            <pc:docMk/>
+            <pc:sldMk cId="2226951247" sldId="321"/>
+            <ac:picMk id="5" creationId="{F25BE2E1-59CE-EF18-7F8B-338DC31F9902}"/>
+          </ac:picMkLst>
+        </pc:picChg>
+        <pc:picChg chg="del">
+          <ac:chgData name="Leonardo Rocca" userId="ee499421-b5ce-4353-9ab2-1d77cd21ee2f" providerId="ADAL" clId="{B49D7DAC-955E-4E70-AF33-8DB48DA86FDA}" dt="2023-10-23T07:05:56.003" v="3903" actId="478"/>
+          <ac:picMkLst>
+            <pc:docMk/>
+            <pc:sldMk cId="2226951247" sldId="321"/>
+            <ac:picMk id="6" creationId="{B6054E97-8620-EA78-AC75-81A1E9FA76C7}"/>
+          </ac:picMkLst>
+        </pc:picChg>
+        <pc:picChg chg="del">
+          <ac:chgData name="Leonardo Rocca" userId="ee499421-b5ce-4353-9ab2-1d77cd21ee2f" providerId="ADAL" clId="{B49D7DAC-955E-4E70-AF33-8DB48DA86FDA}" dt="2023-10-23T07:05:54.395" v="3902" actId="478"/>
+          <ac:picMkLst>
+            <pc:docMk/>
+            <pc:sldMk cId="2226951247" sldId="321"/>
+            <ac:picMk id="7" creationId="{FFA46B94-F70B-06AD-052E-E94A68808106}"/>
+          </ac:picMkLst>
+        </pc:picChg>
+        <pc:picChg chg="del">
+          <ac:chgData name="Leonardo Rocca" userId="ee499421-b5ce-4353-9ab2-1d77cd21ee2f" providerId="ADAL" clId="{B49D7DAC-955E-4E70-AF33-8DB48DA86FDA}" dt="2023-10-23T07:05:56.003" v="3903" actId="478"/>
+          <ac:picMkLst>
+            <pc:docMk/>
+            <pc:sldMk cId="2226951247" sldId="321"/>
+            <ac:picMk id="8" creationId="{94721B2E-CA24-461D-3031-4CEC31318451}"/>
+          </ac:picMkLst>
+        </pc:picChg>
+        <pc:picChg chg="del">
+          <ac:chgData name="Leonardo Rocca" userId="ee499421-b5ce-4353-9ab2-1d77cd21ee2f" providerId="ADAL" clId="{B49D7DAC-955E-4E70-AF33-8DB48DA86FDA}" dt="2023-10-23T07:05:54.395" v="3902" actId="478"/>
+          <ac:picMkLst>
+            <pc:docMk/>
+            <pc:sldMk cId="2226951247" sldId="321"/>
+            <ac:picMk id="9" creationId="{BD3B1DF8-EBEC-CCB6-5B38-4667A144D3F0}"/>
+          </ac:picMkLst>
+        </pc:picChg>
+        <pc:picChg chg="add mod">
+          <ac:chgData name="Leonardo Rocca" userId="ee499421-b5ce-4353-9ab2-1d77cd21ee2f" providerId="ADAL" clId="{B49D7DAC-955E-4E70-AF33-8DB48DA86FDA}" dt="2023-10-23T07:06:29.959" v="3920" actId="1076"/>
+          <ac:picMkLst>
+            <pc:docMk/>
+            <pc:sldMk cId="2226951247" sldId="321"/>
+            <ac:picMk id="12" creationId="{36C04BBF-6E57-BAB5-FF8A-A6C80CC064D8}"/>
+          </ac:picMkLst>
+        </pc:picChg>
       </pc:sldChg>
       <pc:sldMasterChg chg="delSldLayout">
         <pc:chgData name="Leonardo Rocca" userId="ee499421-b5ce-4353-9ab2-1d77cd21ee2f" providerId="ADAL" clId="{B49D7DAC-955E-4E70-AF33-8DB48DA86FDA}" dt="2023-10-22T19:44:31.683" v="3773" actId="47"/>
@@ -4102,6 +4190,115 @@
   <p:cSld>
     <p:spTree>
       <p:nvGrpSpPr>
+        <p:cNvPr id="1" name="Shape 281"/>
+        <p:cNvGrpSpPr/>
+        <p:nvPr/>
+      </p:nvGrpSpPr>
+      <p:grpSpPr>
+        <a:xfrm>
+          <a:off x="0" y="0"/>
+          <a:ext cx="0" cy="0"/>
+          <a:chOff x="0" y="0"/>
+          <a:chExt cx="0" cy="0"/>
+        </a:xfrm>
+      </p:grpSpPr>
+      <p:sp>
+        <p:nvSpPr>
+          <p:cNvPr id="282" name="Google Shape;282;g97ba9dafd3_1_69:notes"/>
+          <p:cNvSpPr>
+            <a:spLocks noGrp="1" noRot="1" noChangeAspect="1"/>
+          </p:cNvSpPr>
+          <p:nvPr>
+            <p:ph type="sldImg" idx="2"/>
+          </p:nvPr>
+        </p:nvSpPr>
+        <p:spPr>
+          <a:xfrm>
+            <a:off x="381000" y="685800"/>
+            <a:ext cx="6096000" cy="3429000"/>
+          </a:xfrm>
+          <a:custGeom>
+            <a:avLst/>
+            <a:gdLst/>
+            <a:ahLst/>
+            <a:cxnLst/>
+            <a:rect l="l" t="t" r="r" b="b"/>
+            <a:pathLst>
+              <a:path w="120000" h="120000" extrusionOk="0">
+                <a:moveTo>
+                  <a:pt x="0" y="0"/>
+                </a:moveTo>
+                <a:lnTo>
+                  <a:pt x="120000" y="0"/>
+                </a:lnTo>
+                <a:lnTo>
+                  <a:pt x="120000" y="120000"/>
+                </a:lnTo>
+                <a:lnTo>
+                  <a:pt x="0" y="120000"/>
+                </a:lnTo>
+                <a:close/>
+              </a:path>
+            </a:pathLst>
+          </a:custGeom>
+        </p:spPr>
+      </p:sp>
+      <p:sp>
+        <p:nvSpPr>
+          <p:cNvPr id="283" name="Google Shape;283;g97ba9dafd3_1_69:notes"/>
+          <p:cNvSpPr txBox="1">
+            <a:spLocks noGrp="1"/>
+          </p:cNvSpPr>
+          <p:nvPr>
+            <p:ph type="body" idx="1"/>
+          </p:nvPr>
+        </p:nvSpPr>
+        <p:spPr>
+          <a:xfrm>
+            <a:off x="685800" y="4343400"/>
+            <a:ext cx="5486400" cy="4114800"/>
+          </a:xfrm>
+          <a:prstGeom prst="rect">
+            <a:avLst/>
+          </a:prstGeom>
+        </p:spPr>
+        <p:txBody>
+          <a:bodyPr spcFirstLastPara="1" wrap="square" lIns="91425" tIns="91425" rIns="91425" bIns="91425" anchor="t" anchorCtr="0">
+            <a:noAutofit/>
+          </a:bodyPr>
+          <a:lstStyle/>
+          <a:p>
+            <a:pPr marL="0" lvl="0" indent="0" algn="l" rtl="0">
+              <a:spcBef>
+                <a:spcPts val="0"/>
+              </a:spcBef>
+              <a:spcAft>
+                <a:spcPts val="0"/>
+              </a:spcAft>
+              <a:buNone/>
+            </a:pPr>
+            <a:endParaRPr dirty="0"/>
+          </a:p>
+        </p:txBody>
+      </p:sp>
+    </p:spTree>
+    <p:extLst>
+      <p:ext uri="{BB962C8B-B14F-4D97-AF65-F5344CB8AC3E}">
+        <p14:creationId xmlns:p14="http://schemas.microsoft.com/office/powerpoint/2010/main" val="2664904563"/>
+      </p:ext>
+    </p:extLst>
+  </p:cSld>
+  <p:clrMapOvr>
+    <a:masterClrMapping/>
+  </p:clrMapOvr>
+</p:notes>
+</file>
+
+<file path=ppt/notesSlides/notesSlide11.xml><?xml version="1.0" encoding="utf-8"?>
+<p:notes xmlns:a="http://schemas.openxmlformats.org/drawingml/2006/main" xmlns:r="http://schemas.openxmlformats.org/officeDocument/2006/relationships" xmlns:p="http://schemas.openxmlformats.org/presentationml/2006/main" showMasterSp="0" showMasterPhAnim="0">
+  <p:cSld>
+    <p:spTree>
+      <p:nvGrpSpPr>
         <p:cNvPr id="1" name="Shape 328"/>
         <p:cNvGrpSpPr/>
         <p:nvPr/>
@@ -4210,7 +4407,7 @@
 </p:notes>
 </file>
 
-<file path=ppt/notesSlides/notesSlide11.xml><?xml version="1.0" encoding="utf-8"?>
+<file path=ppt/notesSlides/notesSlide12.xml><?xml version="1.0" encoding="utf-8"?>
 <p:notes xmlns:a="http://schemas.openxmlformats.org/drawingml/2006/main" xmlns:r="http://schemas.openxmlformats.org/officeDocument/2006/relationships" xmlns:p="http://schemas.openxmlformats.org/presentationml/2006/main" showMasterSp="0" showMasterPhAnim="0">
   <p:cSld>
     <p:spTree>
@@ -5873,6 +6070,24 @@
           </a:bodyPr>
           <a:lstStyle/>
           <a:p>
+            <a:r>
+              <a:rPr lang="it-IT" dirty="0"/>
+              <a:t>Ora, esaminiamo i risultati ottenuti. È immediatamente evidente che sia la FCNN che la U-Net presentano un'accuratezza prossima al 99,9%. Tuttavia, va notato che questa alta accuratezza è influenzata dalla significativa disuguaglianza nella distribuzione delle classi. Di conseguenza, il modello potrebbe ottenere un punteggio elevato anche nel caso in cui predica erroneamente la classe 0.</a:t>
+            </a:r>
+          </a:p>
+          <a:p>
+            <a:r>
+              <a:rPr lang="it-IT" dirty="0"/>
+              <a:t>Considerando questa situazione, è più appropriato valutare le prestazioni utilizzando l'indicatore F1-score. Questa metrica è particolarmente adatta in casi di sbilanciamento delle classi, in quanto tiene conto sia della precisione che della recall. La F1-score rappresenta la media armonica di precisione e recall, offrendo una valutazione più equilibrata delle prestazioni del modello.</a:t>
+            </a:r>
+          </a:p>
+          <a:p>
+            <a:r>
+              <a:rPr lang="it-IT" dirty="0"/>
+              <a:t>Possiamo notare che non c’è molta disuguaglianza tra i due valori di F1-score e adesso capiremo il perché. Infatti, in basso, possiamo notare la predizione di un esempio di TAC e nello specifico vediamo che entrambi i modelli riescono a trovare il punto se sufficientemente grande e a categorizzarlo correttamente. Sicuramente è complesso riuscire a trovare un bordo oggettivo all’immagine dato che i pixel in questa zona sono mescolati senza un bordo effettivo.</a:t>
+            </a:r>
+          </a:p>
+          <a:p>
             <a:pPr marL="0" lvl="0" indent="0" algn="l" rtl="0">
               <a:spcBef>
                 <a:spcPts val="0"/>
@@ -5882,14 +6097,14 @@
               </a:spcAft>
               <a:buNone/>
             </a:pPr>
-            <a:endParaRPr dirty="0"/>
+            <a:endParaRPr lang="it-IT" dirty="0"/>
           </a:p>
         </p:txBody>
       </p:sp>
     </p:spTree>
     <p:extLst>
       <p:ext uri="{BB962C8B-B14F-4D97-AF65-F5344CB8AC3E}">
-        <p14:creationId xmlns:p14="http://schemas.microsoft.com/office/powerpoint/2010/main" val="2664904563"/>
+        <p14:creationId xmlns:p14="http://schemas.microsoft.com/office/powerpoint/2010/main" val="2921254511"/>
       </p:ext>
     </p:extLst>
   </p:cSld>
@@ -10716,6 +10931,188 @@
   <p:cSld>
     <p:spTree>
       <p:nvGrpSpPr>
+        <p:cNvPr id="1" name="Shape 284"/>
+        <p:cNvGrpSpPr/>
+        <p:nvPr/>
+      </p:nvGrpSpPr>
+      <p:grpSpPr>
+        <a:xfrm>
+          <a:off x="0" y="0"/>
+          <a:ext cx="0" cy="0"/>
+          <a:chOff x="0" y="0"/>
+          <a:chExt cx="0" cy="0"/>
+        </a:xfrm>
+      </p:grpSpPr>
+      <p:sp>
+        <p:nvSpPr>
+          <p:cNvPr id="285" name="Google Shape;285;p30"/>
+          <p:cNvSpPr/>
+          <p:nvPr/>
+        </p:nvSpPr>
+        <p:spPr>
+          <a:xfrm>
+            <a:off x="247571" y="888274"/>
+            <a:ext cx="8648858" cy="4049434"/>
+          </a:xfrm>
+          <a:prstGeom prst="roundRect">
+            <a:avLst>
+              <a:gd name="adj" fmla="val 3812"/>
+            </a:avLst>
+          </a:prstGeom>
+          <a:solidFill>
+            <a:schemeClr val="lt1"/>
+          </a:solidFill>
+          <a:ln>
+            <a:noFill/>
+          </a:ln>
+        </p:spPr>
+        <p:txBody>
+          <a:bodyPr spcFirstLastPara="1" wrap="square" lIns="91425" tIns="91425" rIns="91425" bIns="91425" anchor="ctr" anchorCtr="0">
+            <a:noAutofit/>
+          </a:bodyPr>
+          <a:lstStyle/>
+          <a:p>
+            <a:pPr marL="0" lvl="0" indent="0" algn="l" rtl="0">
+              <a:spcBef>
+                <a:spcPts val="0"/>
+              </a:spcBef>
+              <a:spcAft>
+                <a:spcPts val="0"/>
+              </a:spcAft>
+              <a:buNone/>
+            </a:pPr>
+            <a:endParaRPr/>
+          </a:p>
+        </p:txBody>
+      </p:sp>
+      <p:sp>
+        <p:nvSpPr>
+          <p:cNvPr id="286" name="Google Shape;286;p30"/>
+          <p:cNvSpPr txBox="1">
+            <a:spLocks noGrp="1"/>
+          </p:cNvSpPr>
+          <p:nvPr>
+            <p:ph type="title"/>
+          </p:nvPr>
+        </p:nvSpPr>
+        <p:spPr>
+          <a:xfrm>
+            <a:off x="247571" y="100181"/>
+            <a:ext cx="2843700" cy="841200"/>
+          </a:xfrm>
+          <a:prstGeom prst="rect">
+            <a:avLst/>
+          </a:prstGeom>
+        </p:spPr>
+        <p:txBody>
+          <a:bodyPr spcFirstLastPara="1" wrap="square" lIns="91425" tIns="91425" rIns="91425" bIns="91425" anchor="ctr" anchorCtr="0">
+            <a:noAutofit/>
+          </a:bodyPr>
+          <a:lstStyle/>
+          <a:p>
+            <a:pPr marL="0" lvl="0" indent="0" algn="l" rtl="0">
+              <a:spcBef>
+                <a:spcPts val="0"/>
+              </a:spcBef>
+              <a:spcAft>
+                <a:spcPts val="0"/>
+              </a:spcAft>
+              <a:buNone/>
+            </a:pPr>
+            <a:r>
+              <a:rPr lang="en" sz="3200" dirty="0">
+                <a:solidFill>
+                  <a:schemeClr val="bg1"/>
+                </a:solidFill>
+              </a:rPr>
+              <a:t>Risultati</a:t>
+            </a:r>
+            <a:endParaRPr sz="3200" dirty="0">
+              <a:solidFill>
+                <a:schemeClr val="bg1"/>
+              </a:solidFill>
+            </a:endParaRPr>
+          </a:p>
+        </p:txBody>
+      </p:sp>
+      <p:pic>
+        <p:nvPicPr>
+          <p:cNvPr id="2" name="Immagine 1" descr="Immagine che contiene schermata, cerchio, Imaging medicale, radiologia&#10;&#10;Descrizione generata automaticamente">
+            <a:extLst>
+              <a:ext uri="{FF2B5EF4-FFF2-40B4-BE49-F238E27FC236}">
+                <a16:creationId xmlns:a16="http://schemas.microsoft.com/office/drawing/2014/main" id="{14CEC2FE-8E0C-7284-432A-8B56E13CA5A8}"/>
+              </a:ext>
+            </a:extLst>
+          </p:cNvPr>
+          <p:cNvPicPr>
+            <a:picLocks noChangeAspect="1"/>
+          </p:cNvPicPr>
+          <p:nvPr/>
+        </p:nvPicPr>
+        <p:blipFill>
+          <a:blip r:embed="rId3"/>
+          <a:stretch>
+            <a:fillRect/>
+          </a:stretch>
+        </p:blipFill>
+        <p:spPr>
+          <a:xfrm>
+            <a:off x="1699582" y="1015204"/>
+            <a:ext cx="5721531" cy="1936073"/>
+          </a:xfrm>
+          <a:prstGeom prst="rect">
+            <a:avLst/>
+          </a:prstGeom>
+        </p:spPr>
+      </p:pic>
+      <p:pic>
+        <p:nvPicPr>
+          <p:cNvPr id="3" name="Immagine 2" descr="Immagine che contiene schermata, Imaging medicale, radiologia, cerchio&#10;&#10;Descrizione generata automaticamente">
+            <a:extLst>
+              <a:ext uri="{FF2B5EF4-FFF2-40B4-BE49-F238E27FC236}">
+                <a16:creationId xmlns:a16="http://schemas.microsoft.com/office/drawing/2014/main" id="{17D91765-90A8-D613-CE98-3E8E8386F672}"/>
+              </a:ext>
+            </a:extLst>
+          </p:cNvPr>
+          <p:cNvPicPr>
+            <a:picLocks noChangeAspect="1"/>
+          </p:cNvPicPr>
+          <p:nvPr/>
+        </p:nvPicPr>
+        <p:blipFill>
+          <a:blip r:embed="rId4"/>
+          <a:stretch>
+            <a:fillRect/>
+          </a:stretch>
+        </p:blipFill>
+        <p:spPr>
+          <a:xfrm>
+            <a:off x="2161349" y="2951277"/>
+            <a:ext cx="4797995" cy="1986431"/>
+          </a:xfrm>
+          <a:prstGeom prst="rect">
+            <a:avLst/>
+          </a:prstGeom>
+        </p:spPr>
+      </p:pic>
+    </p:spTree>
+    <p:extLst>
+      <p:ext uri="{BB962C8B-B14F-4D97-AF65-F5344CB8AC3E}">
+        <p14:creationId xmlns:p14="http://schemas.microsoft.com/office/powerpoint/2010/main" val="1176553075"/>
+      </p:ext>
+    </p:extLst>
+  </p:cSld>
+  <p:clrMapOvr>
+    <a:masterClrMapping/>
+  </p:clrMapOvr>
+</p:sld>
+</file>
+
+<file path=ppt/slides/slide11.xml><?xml version="1.0" encoding="utf-8"?>
+<p:sld xmlns:a="http://schemas.openxmlformats.org/drawingml/2006/main" xmlns:r="http://schemas.openxmlformats.org/officeDocument/2006/relationships" xmlns:p="http://schemas.openxmlformats.org/presentationml/2006/main">
+  <p:cSld>
+    <p:spTree>
+      <p:nvGrpSpPr>
         <p:cNvPr id="1" name="Shape 331"/>
         <p:cNvGrpSpPr/>
         <p:nvPr/>
@@ -11879,7 +12276,7 @@
 </p:sld>
 </file>
 
-<file path=ppt/slides/slide11.xml><?xml version="1.0" encoding="utf-8"?>
+<file path=ppt/slides/slide12.xml><?xml version="1.0" encoding="utf-8"?>
 <p:sld xmlns:a="http://schemas.openxmlformats.org/drawingml/2006/main" xmlns:r="http://schemas.openxmlformats.org/officeDocument/2006/relationships" xmlns:p="http://schemas.openxmlformats.org/presentationml/2006/main">
   <p:cSld>
     <p:spTree>
@@ -14614,8 +15011,8 @@
           </a:p>
         </p:txBody>
       </p:sp>
-      <mc:AlternateContent xmlns:mc="http://schemas.openxmlformats.org/markup-compatibility/2006">
-        <mc:Choice xmlns:p14="http://schemas.microsoft.com/office/powerpoint/2010/main" Requires="p14">
+      <mc:AlternateContent xmlns:mc="http://schemas.openxmlformats.org/markup-compatibility/2006" xmlns:p14="http://schemas.microsoft.com/office/powerpoint/2010/main">
+        <mc:Choice Requires="p14">
           <p:contentPart p14:bwMode="auto" r:id="rId5">
             <p14:nvContentPartPr>
               <p14:cNvPr id="60" name="Input penna 59">
@@ -14634,7 +15031,7 @@
             </p14:xfrm>
           </p:contentPart>
         </mc:Choice>
-        <mc:Fallback>
+        <mc:Fallback xmlns="">
           <p:pic>
             <p:nvPicPr>
               <p:cNvPr id="60" name="Input penna 59">
@@ -14665,8 +15062,8 @@
           </p:pic>
         </mc:Fallback>
       </mc:AlternateContent>
-      <mc:AlternateContent xmlns:mc="http://schemas.openxmlformats.org/markup-compatibility/2006">
-        <mc:Choice xmlns:p14="http://schemas.microsoft.com/office/powerpoint/2010/main" Requires="p14">
+      <mc:AlternateContent xmlns:mc="http://schemas.openxmlformats.org/markup-compatibility/2006" xmlns:p14="http://schemas.microsoft.com/office/powerpoint/2010/main">
+        <mc:Choice Requires="p14">
           <p:contentPart p14:bwMode="auto" r:id="rId7">
             <p14:nvContentPartPr>
               <p14:cNvPr id="62" name="Input penna 61">
@@ -14685,7 +15082,7 @@
             </p14:xfrm>
           </p:contentPart>
         </mc:Choice>
-        <mc:Fallback>
+        <mc:Fallback xmlns="">
           <p:pic>
             <p:nvPicPr>
               <p:cNvPr id="62" name="Input penna 61">
@@ -14716,8 +15113,8 @@
           </p:pic>
         </mc:Fallback>
       </mc:AlternateContent>
-      <mc:AlternateContent xmlns:mc="http://schemas.openxmlformats.org/markup-compatibility/2006">
-        <mc:Choice xmlns:p14="http://schemas.microsoft.com/office/powerpoint/2010/main" Requires="p14">
+      <mc:AlternateContent xmlns:mc="http://schemas.openxmlformats.org/markup-compatibility/2006" xmlns:p14="http://schemas.microsoft.com/office/powerpoint/2010/main">
+        <mc:Choice Requires="p14">
           <p:contentPart p14:bwMode="auto" r:id="rId9">
             <p14:nvContentPartPr>
               <p14:cNvPr id="257" name="Input penna 256">
@@ -14736,7 +15133,7 @@
             </p14:xfrm>
           </p:contentPart>
         </mc:Choice>
-        <mc:Fallback>
+        <mc:Fallback xmlns="">
           <p:pic>
             <p:nvPicPr>
               <p:cNvPr id="257" name="Input penna 256">
@@ -19644,13 +20041,15 @@
       <p:sp>
         <p:nvSpPr>
           <p:cNvPr id="285" name="Google Shape;285;p30"/>
-          <p:cNvSpPr/>
+          <p:cNvSpPr>
+            <a:spLocks noGrp="1" noRot="1" noMove="1" noResize="1" noEditPoints="1" noAdjustHandles="1" noChangeArrowheads="1" noChangeShapeType="1"/>
+          </p:cNvSpPr>
           <p:nvPr/>
         </p:nvSpPr>
         <p:spPr>
           <a:xfrm>
-            <a:off x="247571" y="888274"/>
-            <a:ext cx="8648858" cy="4049434"/>
+            <a:off x="247571" y="875212"/>
+            <a:ext cx="8648858" cy="4056017"/>
           </a:xfrm>
           <a:prstGeom prst="roundRect">
             <a:avLst>
@@ -19733,12 +20132,594 @@
           </a:p>
         </p:txBody>
       </p:sp>
+      <p:sp>
+        <p:nvSpPr>
+          <p:cNvPr id="11" name="Google Shape;307;p31">
+            <a:extLst>
+              <a:ext uri="{FF2B5EF4-FFF2-40B4-BE49-F238E27FC236}">
+                <a16:creationId xmlns:a16="http://schemas.microsoft.com/office/drawing/2014/main" id="{FDC82926-2FF2-CB32-2960-A2DCFBB42487}"/>
+              </a:ext>
+            </a:extLst>
+          </p:cNvPr>
+          <p:cNvSpPr txBox="1">
+            <a:spLocks/>
+          </p:cNvSpPr>
+          <p:nvPr/>
+        </p:nvSpPr>
+        <p:spPr>
+          <a:xfrm>
+            <a:off x="5641135" y="1457102"/>
+            <a:ext cx="2233679" cy="480622"/>
+          </a:xfrm>
+          <a:prstGeom prst="roundRect">
+            <a:avLst>
+              <a:gd name="adj" fmla="val 3983"/>
+            </a:avLst>
+          </a:prstGeom>
+          <a:noFill/>
+          <a:ln>
+            <a:solidFill>
+              <a:schemeClr val="bg2"/>
+            </a:solidFill>
+          </a:ln>
+        </p:spPr>
+        <p:txBody>
+          <a:bodyPr spcFirstLastPara="1" wrap="square" lIns="91425" tIns="91425" rIns="91425" bIns="91425" anchor="t" anchorCtr="0">
+            <a:noAutofit/>
+          </a:bodyPr>
+          <a:lstStyle>
+            <a:defPPr marR="0" lvl="0" algn="l" rtl="0">
+              <a:lnSpc>
+                <a:spcPct val="100000"/>
+              </a:lnSpc>
+              <a:spcBef>
+                <a:spcPts val="0"/>
+              </a:spcBef>
+              <a:spcAft>
+                <a:spcPts val="0"/>
+              </a:spcAft>
+            </a:defPPr>
+            <a:lvl1pPr marR="0" lvl="0" algn="l" rtl="0">
+              <a:lnSpc>
+                <a:spcPct val="100000"/>
+              </a:lnSpc>
+              <a:spcBef>
+                <a:spcPts val="0"/>
+              </a:spcBef>
+              <a:spcAft>
+                <a:spcPts val="0"/>
+              </a:spcAft>
+              <a:buClr>
+                <a:schemeClr val="dk1"/>
+              </a:buClr>
+              <a:buSzPts val="3600"/>
+              <a:buFont typeface="Montserrat"/>
+              <a:buNone/>
+              <a:defRPr sz="3600" b="1" i="0" u="none" strike="noStrike" cap="none">
+                <a:solidFill>
+                  <a:schemeClr val="dk1"/>
+                </a:solidFill>
+                <a:latin typeface="Montserrat"/>
+                <a:ea typeface="Montserrat"/>
+                <a:cs typeface="Montserrat"/>
+                <a:sym typeface="Montserrat"/>
+              </a:defRPr>
+            </a:lvl1pPr>
+            <a:lvl2pPr marR="0" lvl="1" algn="ctr" rtl="0">
+              <a:lnSpc>
+                <a:spcPct val="100000"/>
+              </a:lnSpc>
+              <a:spcBef>
+                <a:spcPts val="0"/>
+              </a:spcBef>
+              <a:spcAft>
+                <a:spcPts val="0"/>
+              </a:spcAft>
+              <a:buClr>
+                <a:schemeClr val="dk1"/>
+              </a:buClr>
+              <a:buSzPts val="3600"/>
+              <a:buFont typeface="Montserrat"/>
+              <a:buNone/>
+              <a:defRPr sz="3600" b="1" i="0" u="none" strike="noStrike" cap="none">
+                <a:solidFill>
+                  <a:schemeClr val="dk1"/>
+                </a:solidFill>
+                <a:latin typeface="Montserrat"/>
+                <a:ea typeface="Montserrat"/>
+                <a:cs typeface="Montserrat"/>
+                <a:sym typeface="Montserrat"/>
+              </a:defRPr>
+            </a:lvl2pPr>
+            <a:lvl3pPr marR="0" lvl="2" algn="ctr" rtl="0">
+              <a:lnSpc>
+                <a:spcPct val="100000"/>
+              </a:lnSpc>
+              <a:spcBef>
+                <a:spcPts val="0"/>
+              </a:spcBef>
+              <a:spcAft>
+                <a:spcPts val="0"/>
+              </a:spcAft>
+              <a:buClr>
+                <a:schemeClr val="dk1"/>
+              </a:buClr>
+              <a:buSzPts val="3600"/>
+              <a:buFont typeface="Montserrat"/>
+              <a:buNone/>
+              <a:defRPr sz="3600" b="1" i="0" u="none" strike="noStrike" cap="none">
+                <a:solidFill>
+                  <a:schemeClr val="dk1"/>
+                </a:solidFill>
+                <a:latin typeface="Montserrat"/>
+                <a:ea typeface="Montserrat"/>
+                <a:cs typeface="Montserrat"/>
+                <a:sym typeface="Montserrat"/>
+              </a:defRPr>
+            </a:lvl3pPr>
+            <a:lvl4pPr marR="0" lvl="3" algn="ctr" rtl="0">
+              <a:lnSpc>
+                <a:spcPct val="100000"/>
+              </a:lnSpc>
+              <a:spcBef>
+                <a:spcPts val="0"/>
+              </a:spcBef>
+              <a:spcAft>
+                <a:spcPts val="0"/>
+              </a:spcAft>
+              <a:buClr>
+                <a:schemeClr val="dk1"/>
+              </a:buClr>
+              <a:buSzPts val="3600"/>
+              <a:buFont typeface="Montserrat"/>
+              <a:buNone/>
+              <a:defRPr sz="3600" b="1" i="0" u="none" strike="noStrike" cap="none">
+                <a:solidFill>
+                  <a:schemeClr val="dk1"/>
+                </a:solidFill>
+                <a:latin typeface="Montserrat"/>
+                <a:ea typeface="Montserrat"/>
+                <a:cs typeface="Montserrat"/>
+                <a:sym typeface="Montserrat"/>
+              </a:defRPr>
+            </a:lvl4pPr>
+            <a:lvl5pPr marR="0" lvl="4" algn="ctr" rtl="0">
+              <a:lnSpc>
+                <a:spcPct val="100000"/>
+              </a:lnSpc>
+              <a:spcBef>
+                <a:spcPts val="0"/>
+              </a:spcBef>
+              <a:spcAft>
+                <a:spcPts val="0"/>
+              </a:spcAft>
+              <a:buClr>
+                <a:schemeClr val="dk1"/>
+              </a:buClr>
+              <a:buSzPts val="3600"/>
+              <a:buFont typeface="Montserrat"/>
+              <a:buNone/>
+              <a:defRPr sz="3600" b="1" i="0" u="none" strike="noStrike" cap="none">
+                <a:solidFill>
+                  <a:schemeClr val="dk1"/>
+                </a:solidFill>
+                <a:latin typeface="Montserrat"/>
+                <a:ea typeface="Montserrat"/>
+                <a:cs typeface="Montserrat"/>
+                <a:sym typeface="Montserrat"/>
+              </a:defRPr>
+            </a:lvl5pPr>
+            <a:lvl6pPr marR="0" lvl="5" algn="ctr" rtl="0">
+              <a:lnSpc>
+                <a:spcPct val="100000"/>
+              </a:lnSpc>
+              <a:spcBef>
+                <a:spcPts val="0"/>
+              </a:spcBef>
+              <a:spcAft>
+                <a:spcPts val="0"/>
+              </a:spcAft>
+              <a:buClr>
+                <a:schemeClr val="dk1"/>
+              </a:buClr>
+              <a:buSzPts val="3600"/>
+              <a:buFont typeface="Montserrat"/>
+              <a:buNone/>
+              <a:defRPr sz="3600" b="1" i="0" u="none" strike="noStrike" cap="none">
+                <a:solidFill>
+                  <a:schemeClr val="dk1"/>
+                </a:solidFill>
+                <a:latin typeface="Montserrat"/>
+                <a:ea typeface="Montserrat"/>
+                <a:cs typeface="Montserrat"/>
+                <a:sym typeface="Montserrat"/>
+              </a:defRPr>
+            </a:lvl6pPr>
+            <a:lvl7pPr marR="0" lvl="6" algn="ctr" rtl="0">
+              <a:lnSpc>
+                <a:spcPct val="100000"/>
+              </a:lnSpc>
+              <a:spcBef>
+                <a:spcPts val="0"/>
+              </a:spcBef>
+              <a:spcAft>
+                <a:spcPts val="0"/>
+              </a:spcAft>
+              <a:buClr>
+                <a:schemeClr val="dk1"/>
+              </a:buClr>
+              <a:buSzPts val="3600"/>
+              <a:buFont typeface="Montserrat"/>
+              <a:buNone/>
+              <a:defRPr sz="3600" b="1" i="0" u="none" strike="noStrike" cap="none">
+                <a:solidFill>
+                  <a:schemeClr val="dk1"/>
+                </a:solidFill>
+                <a:latin typeface="Montserrat"/>
+                <a:ea typeface="Montserrat"/>
+                <a:cs typeface="Montserrat"/>
+                <a:sym typeface="Montserrat"/>
+              </a:defRPr>
+            </a:lvl7pPr>
+            <a:lvl8pPr marR="0" lvl="7" algn="ctr" rtl="0">
+              <a:lnSpc>
+                <a:spcPct val="100000"/>
+              </a:lnSpc>
+              <a:spcBef>
+                <a:spcPts val="0"/>
+              </a:spcBef>
+              <a:spcAft>
+                <a:spcPts val="0"/>
+              </a:spcAft>
+              <a:buClr>
+                <a:schemeClr val="dk1"/>
+              </a:buClr>
+              <a:buSzPts val="3600"/>
+              <a:buFont typeface="Montserrat"/>
+              <a:buNone/>
+              <a:defRPr sz="3600" b="1" i="0" u="none" strike="noStrike" cap="none">
+                <a:solidFill>
+                  <a:schemeClr val="dk1"/>
+                </a:solidFill>
+                <a:latin typeface="Montserrat"/>
+                <a:ea typeface="Montserrat"/>
+                <a:cs typeface="Montserrat"/>
+                <a:sym typeface="Montserrat"/>
+              </a:defRPr>
+            </a:lvl8pPr>
+            <a:lvl9pPr marR="0" lvl="8" algn="ctr" rtl="0">
+              <a:lnSpc>
+                <a:spcPct val="100000"/>
+              </a:lnSpc>
+              <a:spcBef>
+                <a:spcPts val="0"/>
+              </a:spcBef>
+              <a:spcAft>
+                <a:spcPts val="0"/>
+              </a:spcAft>
+              <a:buClr>
+                <a:schemeClr val="dk1"/>
+              </a:buClr>
+              <a:buSzPts val="3600"/>
+              <a:buFont typeface="Montserrat"/>
+              <a:buNone/>
+              <a:defRPr sz="3600" b="1" i="0" u="none" strike="noStrike" cap="none">
+                <a:solidFill>
+                  <a:schemeClr val="dk1"/>
+                </a:solidFill>
+                <a:latin typeface="Montserrat"/>
+                <a:ea typeface="Montserrat"/>
+                <a:cs typeface="Montserrat"/>
+                <a:sym typeface="Montserrat"/>
+              </a:defRPr>
+            </a:lvl9pPr>
+          </a:lstStyle>
+          <a:p>
+            <a:pPr algn="ctr"/>
+            <a:r>
+              <a:rPr lang="it-IT" sz="2000" dirty="0"/>
+              <a:t>Modello U-NET</a:t>
+            </a:r>
+          </a:p>
+        </p:txBody>
+      </p:sp>
+      <p:sp>
+        <p:nvSpPr>
+          <p:cNvPr id="14" name="Google Shape;307;p31">
+            <a:extLst>
+              <a:ext uri="{FF2B5EF4-FFF2-40B4-BE49-F238E27FC236}">
+                <a16:creationId xmlns:a16="http://schemas.microsoft.com/office/drawing/2014/main" id="{80866750-8344-2892-97E1-E9172202394F}"/>
+              </a:ext>
+            </a:extLst>
+          </p:cNvPr>
+          <p:cNvSpPr txBox="1">
+            <a:spLocks/>
+          </p:cNvSpPr>
+          <p:nvPr/>
+        </p:nvSpPr>
+        <p:spPr>
+          <a:xfrm>
+            <a:off x="1624934" y="1457102"/>
+            <a:ext cx="2233679" cy="480622"/>
+          </a:xfrm>
+          <a:prstGeom prst="roundRect">
+            <a:avLst>
+              <a:gd name="adj" fmla="val 3983"/>
+            </a:avLst>
+          </a:prstGeom>
+          <a:noFill/>
+          <a:ln>
+            <a:solidFill>
+              <a:schemeClr val="bg2"/>
+            </a:solidFill>
+          </a:ln>
+        </p:spPr>
+        <p:txBody>
+          <a:bodyPr spcFirstLastPara="1" wrap="square" lIns="91425" tIns="91425" rIns="91425" bIns="91425" anchor="t" anchorCtr="0">
+            <a:noAutofit/>
+          </a:bodyPr>
+          <a:lstStyle>
+            <a:defPPr marR="0" lvl="0" algn="l" rtl="0">
+              <a:lnSpc>
+                <a:spcPct val="100000"/>
+              </a:lnSpc>
+              <a:spcBef>
+                <a:spcPts val="0"/>
+              </a:spcBef>
+              <a:spcAft>
+                <a:spcPts val="0"/>
+              </a:spcAft>
+            </a:defPPr>
+            <a:lvl1pPr marR="0" lvl="0" algn="l" rtl="0">
+              <a:lnSpc>
+                <a:spcPct val="100000"/>
+              </a:lnSpc>
+              <a:spcBef>
+                <a:spcPts val="0"/>
+              </a:spcBef>
+              <a:spcAft>
+                <a:spcPts val="0"/>
+              </a:spcAft>
+              <a:buClr>
+                <a:schemeClr val="dk1"/>
+              </a:buClr>
+              <a:buSzPts val="3600"/>
+              <a:buFont typeface="Montserrat"/>
+              <a:buNone/>
+              <a:defRPr sz="3600" b="1" i="0" u="none" strike="noStrike" cap="none">
+                <a:solidFill>
+                  <a:schemeClr val="dk1"/>
+                </a:solidFill>
+                <a:latin typeface="Montserrat"/>
+                <a:ea typeface="Montserrat"/>
+                <a:cs typeface="Montserrat"/>
+                <a:sym typeface="Montserrat"/>
+              </a:defRPr>
+            </a:lvl1pPr>
+            <a:lvl2pPr marR="0" lvl="1" algn="ctr" rtl="0">
+              <a:lnSpc>
+                <a:spcPct val="100000"/>
+              </a:lnSpc>
+              <a:spcBef>
+                <a:spcPts val="0"/>
+              </a:spcBef>
+              <a:spcAft>
+                <a:spcPts val="0"/>
+              </a:spcAft>
+              <a:buClr>
+                <a:schemeClr val="dk1"/>
+              </a:buClr>
+              <a:buSzPts val="3600"/>
+              <a:buFont typeface="Montserrat"/>
+              <a:buNone/>
+              <a:defRPr sz="3600" b="1" i="0" u="none" strike="noStrike" cap="none">
+                <a:solidFill>
+                  <a:schemeClr val="dk1"/>
+                </a:solidFill>
+                <a:latin typeface="Montserrat"/>
+                <a:ea typeface="Montserrat"/>
+                <a:cs typeface="Montserrat"/>
+                <a:sym typeface="Montserrat"/>
+              </a:defRPr>
+            </a:lvl2pPr>
+            <a:lvl3pPr marR="0" lvl="2" algn="ctr" rtl="0">
+              <a:lnSpc>
+                <a:spcPct val="100000"/>
+              </a:lnSpc>
+              <a:spcBef>
+                <a:spcPts val="0"/>
+              </a:spcBef>
+              <a:spcAft>
+                <a:spcPts val="0"/>
+              </a:spcAft>
+              <a:buClr>
+                <a:schemeClr val="dk1"/>
+              </a:buClr>
+              <a:buSzPts val="3600"/>
+              <a:buFont typeface="Montserrat"/>
+              <a:buNone/>
+              <a:defRPr sz="3600" b="1" i="0" u="none" strike="noStrike" cap="none">
+                <a:solidFill>
+                  <a:schemeClr val="dk1"/>
+                </a:solidFill>
+                <a:latin typeface="Montserrat"/>
+                <a:ea typeface="Montserrat"/>
+                <a:cs typeface="Montserrat"/>
+                <a:sym typeface="Montserrat"/>
+              </a:defRPr>
+            </a:lvl3pPr>
+            <a:lvl4pPr marR="0" lvl="3" algn="ctr" rtl="0">
+              <a:lnSpc>
+                <a:spcPct val="100000"/>
+              </a:lnSpc>
+              <a:spcBef>
+                <a:spcPts val="0"/>
+              </a:spcBef>
+              <a:spcAft>
+                <a:spcPts val="0"/>
+              </a:spcAft>
+              <a:buClr>
+                <a:schemeClr val="dk1"/>
+              </a:buClr>
+              <a:buSzPts val="3600"/>
+              <a:buFont typeface="Montserrat"/>
+              <a:buNone/>
+              <a:defRPr sz="3600" b="1" i="0" u="none" strike="noStrike" cap="none">
+                <a:solidFill>
+                  <a:schemeClr val="dk1"/>
+                </a:solidFill>
+                <a:latin typeface="Montserrat"/>
+                <a:ea typeface="Montserrat"/>
+                <a:cs typeface="Montserrat"/>
+                <a:sym typeface="Montserrat"/>
+              </a:defRPr>
+            </a:lvl4pPr>
+            <a:lvl5pPr marR="0" lvl="4" algn="ctr" rtl="0">
+              <a:lnSpc>
+                <a:spcPct val="100000"/>
+              </a:lnSpc>
+              <a:spcBef>
+                <a:spcPts val="0"/>
+              </a:spcBef>
+              <a:spcAft>
+                <a:spcPts val="0"/>
+              </a:spcAft>
+              <a:buClr>
+                <a:schemeClr val="dk1"/>
+              </a:buClr>
+              <a:buSzPts val="3600"/>
+              <a:buFont typeface="Montserrat"/>
+              <a:buNone/>
+              <a:defRPr sz="3600" b="1" i="0" u="none" strike="noStrike" cap="none">
+                <a:solidFill>
+                  <a:schemeClr val="dk1"/>
+                </a:solidFill>
+                <a:latin typeface="Montserrat"/>
+                <a:ea typeface="Montserrat"/>
+                <a:cs typeface="Montserrat"/>
+                <a:sym typeface="Montserrat"/>
+              </a:defRPr>
+            </a:lvl5pPr>
+            <a:lvl6pPr marR="0" lvl="5" algn="ctr" rtl="0">
+              <a:lnSpc>
+                <a:spcPct val="100000"/>
+              </a:lnSpc>
+              <a:spcBef>
+                <a:spcPts val="0"/>
+              </a:spcBef>
+              <a:spcAft>
+                <a:spcPts val="0"/>
+              </a:spcAft>
+              <a:buClr>
+                <a:schemeClr val="dk1"/>
+              </a:buClr>
+              <a:buSzPts val="3600"/>
+              <a:buFont typeface="Montserrat"/>
+              <a:buNone/>
+              <a:defRPr sz="3600" b="1" i="0" u="none" strike="noStrike" cap="none">
+                <a:solidFill>
+                  <a:schemeClr val="dk1"/>
+                </a:solidFill>
+                <a:latin typeface="Montserrat"/>
+                <a:ea typeface="Montserrat"/>
+                <a:cs typeface="Montserrat"/>
+                <a:sym typeface="Montserrat"/>
+              </a:defRPr>
+            </a:lvl6pPr>
+            <a:lvl7pPr marR="0" lvl="6" algn="ctr" rtl="0">
+              <a:lnSpc>
+                <a:spcPct val="100000"/>
+              </a:lnSpc>
+              <a:spcBef>
+                <a:spcPts val="0"/>
+              </a:spcBef>
+              <a:spcAft>
+                <a:spcPts val="0"/>
+              </a:spcAft>
+              <a:buClr>
+                <a:schemeClr val="dk1"/>
+              </a:buClr>
+              <a:buSzPts val="3600"/>
+              <a:buFont typeface="Montserrat"/>
+              <a:buNone/>
+              <a:defRPr sz="3600" b="1" i="0" u="none" strike="noStrike" cap="none">
+                <a:solidFill>
+                  <a:schemeClr val="dk1"/>
+                </a:solidFill>
+                <a:latin typeface="Montserrat"/>
+                <a:ea typeface="Montserrat"/>
+                <a:cs typeface="Montserrat"/>
+                <a:sym typeface="Montserrat"/>
+              </a:defRPr>
+            </a:lvl7pPr>
+            <a:lvl8pPr marR="0" lvl="7" algn="ctr" rtl="0">
+              <a:lnSpc>
+                <a:spcPct val="100000"/>
+              </a:lnSpc>
+              <a:spcBef>
+                <a:spcPts val="0"/>
+              </a:spcBef>
+              <a:spcAft>
+                <a:spcPts val="0"/>
+              </a:spcAft>
+              <a:buClr>
+                <a:schemeClr val="dk1"/>
+              </a:buClr>
+              <a:buSzPts val="3600"/>
+              <a:buFont typeface="Montserrat"/>
+              <a:buNone/>
+              <a:defRPr sz="3600" b="1" i="0" u="none" strike="noStrike" cap="none">
+                <a:solidFill>
+                  <a:schemeClr val="dk1"/>
+                </a:solidFill>
+                <a:latin typeface="Montserrat"/>
+                <a:ea typeface="Montserrat"/>
+                <a:cs typeface="Montserrat"/>
+                <a:sym typeface="Montserrat"/>
+              </a:defRPr>
+            </a:lvl8pPr>
+            <a:lvl9pPr marR="0" lvl="8" algn="ctr" rtl="0">
+              <a:lnSpc>
+                <a:spcPct val="100000"/>
+              </a:lnSpc>
+              <a:spcBef>
+                <a:spcPts val="0"/>
+              </a:spcBef>
+              <a:spcAft>
+                <a:spcPts val="0"/>
+              </a:spcAft>
+              <a:buClr>
+                <a:schemeClr val="dk1"/>
+              </a:buClr>
+              <a:buSzPts val="3600"/>
+              <a:buFont typeface="Montserrat"/>
+              <a:buNone/>
+              <a:defRPr sz="3600" b="1" i="0" u="none" strike="noStrike" cap="none">
+                <a:solidFill>
+                  <a:schemeClr val="dk1"/>
+                </a:solidFill>
+                <a:latin typeface="Montserrat"/>
+                <a:ea typeface="Montserrat"/>
+                <a:cs typeface="Montserrat"/>
+                <a:sym typeface="Montserrat"/>
+              </a:defRPr>
+            </a:lvl9pPr>
+          </a:lstStyle>
+          <a:p>
+            <a:pPr algn="ctr"/>
+            <a:r>
+              <a:rPr lang="it-IT" sz="2000" dirty="0"/>
+              <a:t>Modello FCNN</a:t>
+            </a:r>
+          </a:p>
+        </p:txBody>
+      </p:sp>
       <p:pic>
         <p:nvPicPr>
-          <p:cNvPr id="2" name="Immagine 1" descr="Immagine che contiene schermata, cerchio, Imaging medicale, radiologia&#10;&#10;Descrizione generata automaticamente">
+          <p:cNvPr id="5" name="Immagine 4" descr="Immagine che contiene testo, diagramma, linea, schermata&#10;&#10;Descrizione generata automaticamente">
             <a:extLst>
               <a:ext uri="{FF2B5EF4-FFF2-40B4-BE49-F238E27FC236}">
-                <a16:creationId xmlns:a16="http://schemas.microsoft.com/office/drawing/2014/main" id="{14CEC2FE-8E0C-7284-432A-8B56E13CA5A8}"/>
+                <a16:creationId xmlns:a16="http://schemas.microsoft.com/office/drawing/2014/main" id="{F25BE2E1-59CE-EF18-7F8B-338DC31F9902}"/>
               </a:ext>
             </a:extLst>
           </p:cNvPr>
@@ -19755,8 +20736,8 @@
         </p:blipFill>
         <p:spPr>
           <a:xfrm>
-            <a:off x="1699582" y="1015204"/>
-            <a:ext cx="5721531" cy="1936073"/>
+            <a:off x="655521" y="2219161"/>
+            <a:ext cx="3902686" cy="2125449"/>
           </a:xfrm>
           <a:prstGeom prst="rect">
             <a:avLst/>
@@ -19765,10 +20746,10 @@
       </p:pic>
       <p:pic>
         <p:nvPicPr>
-          <p:cNvPr id="3" name="Immagine 2" descr="Immagine che contiene schermata, Imaging medicale, radiologia, cerchio&#10;&#10;Descrizione generata automaticamente">
+          <p:cNvPr id="12" name="Immagine 11" descr="Immagine che contiene diagramma, Diagramma, linea, testo&#10;&#10;Descrizione generata automaticamente">
             <a:extLst>
               <a:ext uri="{FF2B5EF4-FFF2-40B4-BE49-F238E27FC236}">
-                <a16:creationId xmlns:a16="http://schemas.microsoft.com/office/drawing/2014/main" id="{17D91765-90A8-D613-CE98-3E8E8386F672}"/>
+                <a16:creationId xmlns:a16="http://schemas.microsoft.com/office/drawing/2014/main" id="{36C04BBF-6E57-BAB5-FF8A-A6C80CC064D8}"/>
               </a:ext>
             </a:extLst>
           </p:cNvPr>
@@ -19785,8 +20766,8 @@
         </p:blipFill>
         <p:spPr>
           <a:xfrm>
-            <a:off x="2161349" y="2951277"/>
-            <a:ext cx="4797995" cy="1986431"/>
+            <a:off x="4558207" y="2219161"/>
+            <a:ext cx="4024786" cy="2125449"/>
           </a:xfrm>
           <a:prstGeom prst="rect">
             <a:avLst/>
@@ -19796,7 +20777,7 @@
     </p:spTree>
     <p:extLst>
       <p:ext uri="{BB962C8B-B14F-4D97-AF65-F5344CB8AC3E}">
-        <p14:creationId xmlns:p14="http://schemas.microsoft.com/office/powerpoint/2010/main" val="1176553075"/>
+        <p14:creationId xmlns:p14="http://schemas.microsoft.com/office/powerpoint/2010/main" val="2226951247"/>
       </p:ext>
     </p:extLst>
   </p:cSld>
